--- a/Study/12. Blockly.pptx
+++ b/Study/12. Blockly.pptx
@@ -208,7 +208,7 @@
           <a:p>
             <a:fld id="{8DD9E706-E0BA-4FBD-AF15-9E3682821587}" type="datetimeFigureOut">
               <a:rPr lang="ko-KR" altLang="en-US" smtClean="0"/>
-              <a:t>2018-12-26</a:t>
+              <a:t>2018-12-27</a:t>
             </a:fld>
             <a:endParaRPr lang="ko-KR" altLang="en-US"/>
           </a:p>
@@ -1735,7 +1735,7 @@
           <a:p>
             <a:fld id="{46A2558D-9475-4DD4-8F32-96381613298F}" type="datetimeFigureOut">
               <a:rPr lang="ko-KR" altLang="en-US" smtClean="0"/>
-              <a:t>2018-12-26</a:t>
+              <a:t>2018-12-27</a:t>
             </a:fld>
             <a:endParaRPr lang="ko-KR" altLang="en-US"/>
           </a:p>
@@ -1905,7 +1905,7 @@
           <a:p>
             <a:fld id="{46A2558D-9475-4DD4-8F32-96381613298F}" type="datetimeFigureOut">
               <a:rPr lang="ko-KR" altLang="en-US" smtClean="0"/>
-              <a:t>2018-12-26</a:t>
+              <a:t>2018-12-27</a:t>
             </a:fld>
             <a:endParaRPr lang="ko-KR" altLang="en-US"/>
           </a:p>
@@ -2085,7 +2085,7 @@
           <a:p>
             <a:fld id="{46A2558D-9475-4DD4-8F32-96381613298F}" type="datetimeFigureOut">
               <a:rPr lang="ko-KR" altLang="en-US" smtClean="0"/>
-              <a:t>2018-12-26</a:t>
+              <a:t>2018-12-27</a:t>
             </a:fld>
             <a:endParaRPr lang="ko-KR" altLang="en-US"/>
           </a:p>
@@ -2255,7 +2255,7 @@
           <a:p>
             <a:fld id="{46A2558D-9475-4DD4-8F32-96381613298F}" type="datetimeFigureOut">
               <a:rPr lang="ko-KR" altLang="en-US" smtClean="0"/>
-              <a:t>2018-12-26</a:t>
+              <a:t>2018-12-27</a:t>
             </a:fld>
             <a:endParaRPr lang="ko-KR" altLang="en-US"/>
           </a:p>
@@ -2501,7 +2501,7 @@
           <a:p>
             <a:fld id="{46A2558D-9475-4DD4-8F32-96381613298F}" type="datetimeFigureOut">
               <a:rPr lang="ko-KR" altLang="en-US" smtClean="0"/>
-              <a:t>2018-12-26</a:t>
+              <a:t>2018-12-27</a:t>
             </a:fld>
             <a:endParaRPr lang="ko-KR" altLang="en-US"/>
           </a:p>
@@ -2733,7 +2733,7 @@
           <a:p>
             <a:fld id="{46A2558D-9475-4DD4-8F32-96381613298F}" type="datetimeFigureOut">
               <a:rPr lang="ko-KR" altLang="en-US" smtClean="0"/>
-              <a:t>2018-12-26</a:t>
+              <a:t>2018-12-27</a:t>
             </a:fld>
             <a:endParaRPr lang="ko-KR" altLang="en-US"/>
           </a:p>
@@ -3100,7 +3100,7 @@
           <a:p>
             <a:fld id="{46A2558D-9475-4DD4-8F32-96381613298F}" type="datetimeFigureOut">
               <a:rPr lang="ko-KR" altLang="en-US" smtClean="0"/>
-              <a:t>2018-12-26</a:t>
+              <a:t>2018-12-27</a:t>
             </a:fld>
             <a:endParaRPr lang="ko-KR" altLang="en-US"/>
           </a:p>
@@ -3218,7 +3218,7 @@
           <a:p>
             <a:fld id="{46A2558D-9475-4DD4-8F32-96381613298F}" type="datetimeFigureOut">
               <a:rPr lang="ko-KR" altLang="en-US" smtClean="0"/>
-              <a:t>2018-12-26</a:t>
+              <a:t>2018-12-27</a:t>
             </a:fld>
             <a:endParaRPr lang="ko-KR" altLang="en-US"/>
           </a:p>
@@ -3313,7 +3313,7 @@
           <a:p>
             <a:fld id="{46A2558D-9475-4DD4-8F32-96381613298F}" type="datetimeFigureOut">
               <a:rPr lang="ko-KR" altLang="en-US" smtClean="0"/>
-              <a:t>2018-12-26</a:t>
+              <a:t>2018-12-27</a:t>
             </a:fld>
             <a:endParaRPr lang="ko-KR" altLang="en-US"/>
           </a:p>
@@ -3590,7 +3590,7 @@
           <a:p>
             <a:fld id="{46A2558D-9475-4DD4-8F32-96381613298F}" type="datetimeFigureOut">
               <a:rPr lang="ko-KR" altLang="en-US" smtClean="0"/>
-              <a:t>2018-12-26</a:t>
+              <a:t>2018-12-27</a:t>
             </a:fld>
             <a:endParaRPr lang="ko-KR" altLang="en-US"/>
           </a:p>
@@ -3847,7 +3847,7 @@
           <a:p>
             <a:fld id="{46A2558D-9475-4DD4-8F32-96381613298F}" type="datetimeFigureOut">
               <a:rPr lang="ko-KR" altLang="en-US" smtClean="0"/>
-              <a:t>2018-12-26</a:t>
+              <a:t>2018-12-27</a:t>
             </a:fld>
             <a:endParaRPr lang="ko-KR" altLang="en-US"/>
           </a:p>
@@ -4060,7 +4060,7 @@
           <a:p>
             <a:fld id="{46A2558D-9475-4DD4-8F32-96381613298F}" type="datetimeFigureOut">
               <a:rPr lang="ko-KR" altLang="en-US" smtClean="0"/>
-              <a:t>2018-12-26</a:t>
+              <a:t>2018-12-27</a:t>
             </a:fld>
             <a:endParaRPr lang="ko-KR" altLang="en-US"/>
           </a:p>
@@ -4739,46 +4739,6 @@
           </a:p>
         </p:txBody>
       </p:sp>
-      <p:sp>
-        <p:nvSpPr>
-          <p:cNvPr id="13" name="TextBox 12">
-            <a:extLst>
-              <a:ext uri="{FF2B5EF4-FFF2-40B4-BE49-F238E27FC236}">
-                <a16:creationId xmlns:a16="http://schemas.microsoft.com/office/drawing/2014/main" id="{B95CABA8-4769-47ED-8EB6-98C1F32E6B69}"/>
-              </a:ext>
-            </a:extLst>
-          </p:cNvPr>
-          <p:cNvSpPr txBox="1"/>
-          <p:nvPr/>
-        </p:nvSpPr>
-        <p:spPr>
-          <a:xfrm>
-            <a:off x="4470451" y="5633508"/>
-            <a:ext cx="3499676" cy="400110"/>
-          </a:xfrm>
-          <a:prstGeom prst="rect">
-            <a:avLst/>
-          </a:prstGeom>
-          <a:noFill/>
-        </p:spPr>
-        <p:txBody>
-          <a:bodyPr wrap="none" rtlCol="0">
-            <a:spAutoFit/>
-          </a:bodyPr>
-          <a:lstStyle/>
-          <a:p>
-            <a:pPr algn="ctr"/>
-            <a:r>
-              <a:rPr lang="ko-KR" altLang="en-US" sz="2000" dirty="0"/>
-              <a:t>보기에 맞춰서 연주하는 게임</a:t>
-            </a:r>
-            <a:r>
-              <a:rPr lang="en-US" altLang="ko-KR" sz="2000" dirty="0"/>
-              <a:t>.</a:t>
-            </a:r>
-          </a:p>
-        </p:txBody>
-      </p:sp>
       <p:pic>
         <p:nvPicPr>
           <p:cNvPr id="3" name="그림 2">
@@ -4972,52 +4932,12 @@
           </a:p>
         </p:txBody>
       </p:sp>
-      <p:sp>
-        <p:nvSpPr>
-          <p:cNvPr id="13" name="TextBox 12">
+      <p:pic>
+        <p:nvPicPr>
+          <p:cNvPr id="3" name="그림 2">
             <a:extLst>
               <a:ext uri="{FF2B5EF4-FFF2-40B4-BE49-F238E27FC236}">
-                <a16:creationId xmlns:a16="http://schemas.microsoft.com/office/drawing/2014/main" id="{B95CABA8-4769-47ED-8EB6-98C1F32E6B69}"/>
-              </a:ext>
-            </a:extLst>
-          </p:cNvPr>
-          <p:cNvSpPr txBox="1"/>
-          <p:nvPr/>
-        </p:nvSpPr>
-        <p:spPr>
-          <a:xfrm>
-            <a:off x="5554082" y="5633508"/>
-            <a:ext cx="1332416" cy="400110"/>
-          </a:xfrm>
-          <a:prstGeom prst="rect">
-            <a:avLst/>
-          </a:prstGeom>
-          <a:noFill/>
-        </p:spPr>
-        <p:txBody>
-          <a:bodyPr wrap="none" rtlCol="0">
-            <a:spAutoFit/>
-          </a:bodyPr>
-          <a:lstStyle/>
-          <a:p>
-            <a:pPr algn="ctr"/>
-            <a:r>
-              <a:rPr lang="ko-KR" altLang="en-US" sz="2000" dirty="0"/>
-              <a:t>미로 게임</a:t>
-            </a:r>
-            <a:r>
-              <a:rPr lang="en-US" altLang="ko-KR" sz="2000" dirty="0"/>
-              <a:t>.</a:t>
-            </a:r>
-          </a:p>
-        </p:txBody>
-      </p:sp>
-      <p:pic>
-        <p:nvPicPr>
-          <p:cNvPr id="4" name="그림 3">
-            <a:extLst>
-              <a:ext uri="{FF2B5EF4-FFF2-40B4-BE49-F238E27FC236}">
-                <a16:creationId xmlns:a16="http://schemas.microsoft.com/office/drawing/2014/main" id="{53344BB8-1C04-48E2-AFF7-F3A952C40356}"/>
+                <a16:creationId xmlns:a16="http://schemas.microsoft.com/office/drawing/2014/main" id="{D9558006-5F32-4814-94FC-5F4CCF0D255F}"/>
               </a:ext>
             </a:extLst>
           </p:cNvPr>
@@ -5040,8 +4960,8 @@
         </p:blipFill>
         <p:spPr>
           <a:xfrm>
-            <a:off x="2388883" y="1189988"/>
-            <a:ext cx="7662806" cy="4320183"/>
+            <a:off x="1172631" y="1304893"/>
+            <a:ext cx="10152450" cy="4577894"/>
           </a:xfrm>
           <a:prstGeom prst="rect">
             <a:avLst/>
@@ -5949,8 +5869,8 @@
         </p:nvSpPr>
         <p:spPr>
           <a:xfrm>
-            <a:off x="1136968" y="5366918"/>
-            <a:ext cx="9918101" cy="400110"/>
+            <a:off x="1675578" y="5366918"/>
+            <a:ext cx="8840882" cy="400110"/>
           </a:xfrm>
           <a:prstGeom prst="rect">
             <a:avLst/>
@@ -5974,7 +5894,15 @@
             </a:r>
             <a:r>
               <a:rPr lang="ko-KR" altLang="en-US" sz="2000" dirty="0"/>
-              <a:t>문제 해결 능력을 키운다는 명목 하에 엄청난 속도로 발전하고 있다</a:t>
+              <a:t>문제 해결 능력을 키운다는 </a:t>
+            </a:r>
+            <a:r>
+              <a:rPr lang="ko-KR" altLang="en-US" sz="2000"/>
+              <a:t>취지로 빠르게 </a:t>
+            </a:r>
+            <a:r>
+              <a:rPr lang="ko-KR" altLang="en-US" sz="2000" dirty="0"/>
+              <a:t>발전하고 있다</a:t>
             </a:r>
             <a:r>
               <a:rPr lang="en-US" altLang="ko-KR" sz="2000" dirty="0"/>
